--- a/__Prezentacja/Prezentacja_systemu.pptx
+++ b/__Prezentacja/Prezentacja_systemu.pptx
@@ -15,24 +15,29 @@
     <p:sldId id="263" r:id="rId9"/>
     <p:sldId id="264" r:id="rId10"/>
     <p:sldId id="265" r:id="rId11"/>
-    <p:sldId id="266" r:id="rId12"/>
-    <p:sldId id="267" r:id="rId13"/>
-    <p:sldId id="268" r:id="rId14"/>
-    <p:sldId id="269" r:id="rId15"/>
-    <p:sldId id="270" r:id="rId16"/>
-    <p:sldId id="271" r:id="rId17"/>
-    <p:sldId id="274" r:id="rId18"/>
-    <p:sldId id="272" r:id="rId19"/>
-    <p:sldId id="273" r:id="rId20"/>
-    <p:sldId id="275" r:id="rId21"/>
-    <p:sldId id="276" r:id="rId22"/>
-    <p:sldId id="277" r:id="rId23"/>
-    <p:sldId id="278" r:id="rId24"/>
-    <p:sldId id="279" r:id="rId25"/>
-    <p:sldId id="280" r:id="rId26"/>
-    <p:sldId id="281" r:id="rId27"/>
-    <p:sldId id="282" r:id="rId28"/>
-    <p:sldId id="283" r:id="rId29"/>
+    <p:sldId id="284" r:id="rId12"/>
+    <p:sldId id="285" r:id="rId13"/>
+    <p:sldId id="286" r:id="rId14"/>
+    <p:sldId id="287" r:id="rId15"/>
+    <p:sldId id="288" r:id="rId16"/>
+    <p:sldId id="266" r:id="rId17"/>
+    <p:sldId id="267" r:id="rId18"/>
+    <p:sldId id="268" r:id="rId19"/>
+    <p:sldId id="269" r:id="rId20"/>
+    <p:sldId id="270" r:id="rId21"/>
+    <p:sldId id="271" r:id="rId22"/>
+    <p:sldId id="274" r:id="rId23"/>
+    <p:sldId id="272" r:id="rId24"/>
+    <p:sldId id="273" r:id="rId25"/>
+    <p:sldId id="275" r:id="rId26"/>
+    <p:sldId id="276" r:id="rId27"/>
+    <p:sldId id="277" r:id="rId28"/>
+    <p:sldId id="278" r:id="rId29"/>
+    <p:sldId id="279" r:id="rId30"/>
+    <p:sldId id="280" r:id="rId31"/>
+    <p:sldId id="281" r:id="rId32"/>
+    <p:sldId id="282" r:id="rId33"/>
+    <p:sldId id="283" r:id="rId34"/>
   </p:sldIdLst>
   <p:sldSz cx="9144000" cy="6858000" type="screen4x3"/>
   <p:notesSz cx="6858000" cy="9144000"/>
@@ -3867,7 +3872,7 @@
           <a:p>
             <a:r>
               <a:rPr lang="pl-PL" dirty="0" smtClean="0"/>
-              <a:t>8. Etap III: Szkolenia</a:t>
+              <a:t>7. Etap II: Serwis internetowy</a:t>
             </a:r>
             <a:endParaRPr lang="pl-PL" dirty="0"/>
           </a:p>
@@ -3890,29 +3895,45 @@
           <a:p>
             <a:r>
               <a:rPr lang="pl-PL" dirty="0" smtClean="0"/>
-              <a:t>Przeprowadzenie szkoleń obejmuje</a:t>
-            </a:r>
-          </a:p>
-          <a:p>
-            <a:pPr lvl="1"/>
-            <a:r>
-              <a:rPr lang="pl-PL" dirty="0" smtClean="0"/>
-              <a:t>Szkolenia z obsługi nowych laptopów</a:t>
-            </a:r>
-          </a:p>
-          <a:p>
-            <a:pPr lvl="1"/>
-            <a:r>
-              <a:rPr lang="pl-PL" dirty="0" smtClean="0"/>
-              <a:t>Szkolenia z obsługi aplikacji</a:t>
-            </a:r>
-          </a:p>
-          <a:p>
-            <a:pPr lvl="1"/>
+              <a:t>Rola</a:t>
+            </a:r>
             <a:endParaRPr lang="pl-PL" dirty="0"/>
           </a:p>
         </p:txBody>
       </p:sp>
+      <p:pic>
+        <p:nvPicPr>
+          <p:cNvPr id="2052" name="Picture 4"/>
+          <p:cNvPicPr>
+            <a:picLocks noChangeAspect="1" noChangeArrowheads="1"/>
+          </p:cNvPicPr>
+          <p:nvPr/>
+        </p:nvPicPr>
+        <p:blipFill>
+          <a:blip r:embed="rId2"/>
+          <a:srcRect/>
+          <a:stretch>
+            <a:fillRect/>
+          </a:stretch>
+        </p:blipFill>
+        <p:spPr bwMode="auto">
+          <a:xfrm>
+            <a:off x="928662" y="2357430"/>
+            <a:ext cx="7375735" cy="2962287"/>
+          </a:xfrm>
+          <a:prstGeom prst="rect">
+            <a:avLst/>
+          </a:prstGeom>
+          <a:noFill/>
+          <a:ln w="9525">
+            <a:noFill/>
+            <a:miter lim="800000"/>
+            <a:headEnd/>
+            <a:tailEnd/>
+          </a:ln>
+          <a:effectLst/>
+        </p:spPr>
+      </p:pic>
     </p:spTree>
   </p:cSld>
   <p:clrMapOvr>
@@ -3955,7 +3976,7 @@
           <a:p>
             <a:r>
               <a:rPr lang="pl-PL" dirty="0" smtClean="0"/>
-              <a:t>9. Technologia</a:t>
+              <a:t>7. Etap II: Serwis internetowy</a:t>
             </a:r>
             <a:endParaRPr lang="pl-PL" dirty="0"/>
           </a:p>
@@ -3973,102 +3994,50 @@
         </p:nvSpPr>
         <p:spPr/>
         <p:txBody>
-          <a:bodyPr>
-            <a:normAutofit lnSpcReduction="10000"/>
-          </a:bodyPr>
-          <a:lstStyle/>
-          <a:p>
-            <a:r>
-              <a:rPr lang="pl-PL" dirty="0" smtClean="0"/>
-              <a:t>Technologia wybrana do realizacji zadania to:</a:t>
-            </a:r>
-          </a:p>
-          <a:p>
-            <a:pPr lvl="1"/>
-            <a:r>
-              <a:rPr lang="pl-PL" dirty="0" smtClean="0"/>
-              <a:t>Środowisko </a:t>
-            </a:r>
-            <a:r>
-              <a:rPr lang="pl-PL" dirty="0" err="1" smtClean="0"/>
-              <a:t>node.js</a:t>
-            </a:r>
-            <a:endParaRPr lang="pl-PL" dirty="0" smtClean="0"/>
-          </a:p>
-          <a:p>
-            <a:pPr lvl="1"/>
-            <a:r>
-              <a:rPr lang="pl-PL" dirty="0" smtClean="0"/>
-              <a:t>Framework webowy </a:t>
-            </a:r>
-            <a:r>
-              <a:rPr lang="pl-PL" dirty="0" err="1" smtClean="0"/>
-              <a:t>express.js</a:t>
-            </a:r>
-            <a:endParaRPr lang="pl-PL" dirty="0" smtClean="0"/>
-          </a:p>
-          <a:p>
-            <a:pPr lvl="1"/>
-            <a:r>
-              <a:rPr lang="pl-PL" dirty="0" err="1" smtClean="0"/>
-              <a:t>passport.js</a:t>
-            </a:r>
-            <a:r>
-              <a:rPr lang="pl-PL" dirty="0" smtClean="0"/>
-              <a:t> - </a:t>
-            </a:r>
-            <a:r>
-              <a:rPr lang="pl-PL" dirty="0" err="1" smtClean="0"/>
-              <a:t>middleware</a:t>
-            </a:r>
-            <a:r>
-              <a:rPr lang="pl-PL" dirty="0" smtClean="0"/>
-              <a:t> of </a:t>
-            </a:r>
-            <a:r>
-              <a:rPr lang="pl-PL" dirty="0" err="1" smtClean="0"/>
-              <a:t>express</a:t>
-            </a:r>
-            <a:r>
-              <a:rPr lang="pl-PL" dirty="0" smtClean="0"/>
-              <a:t> to </a:t>
-            </a:r>
-            <a:r>
-              <a:rPr lang="pl-PL" dirty="0" err="1" smtClean="0"/>
-              <a:t>authenticate</a:t>
-            </a:r>
-            <a:r>
-              <a:rPr lang="pl-PL" dirty="0" smtClean="0"/>
-              <a:t> </a:t>
-            </a:r>
-            <a:r>
-              <a:rPr lang="pl-PL" dirty="0" err="1" smtClean="0"/>
-              <a:t>users</a:t>
-            </a:r>
-            <a:endParaRPr lang="pl-PL" dirty="0" smtClean="0"/>
-          </a:p>
-          <a:p>
-            <a:r>
-              <a:rPr lang="pl-PL" dirty="0" smtClean="0"/>
-              <a:t>Powody:</a:t>
-            </a:r>
-          </a:p>
-          <a:p>
-            <a:pPr lvl="1"/>
-            <a:r>
-              <a:rPr lang="pl-PL" dirty="0" smtClean="0"/>
-              <a:t>Znajomość danych technologii</a:t>
-            </a:r>
-          </a:p>
-          <a:p>
-            <a:pPr lvl="1"/>
-            <a:r>
-              <a:rPr lang="pl-PL" dirty="0" smtClean="0"/>
-              <a:t>Prostota we wdrożeniu wstępnego planu aplikacji</a:t>
-            </a:r>
-          </a:p>
-        </p:txBody>
-      </p:sp>
+          <a:bodyPr/>
+          <a:lstStyle/>
+          <a:p>
+            <a:r>
+              <a:rPr lang="pl-PL" dirty="0" smtClean="0"/>
+              <a:t>Podobne systemy na rynku</a:t>
+            </a:r>
+            <a:endParaRPr lang="pl-PL" dirty="0"/>
+          </a:p>
+        </p:txBody>
+      </p:sp>
+      <p:pic>
+        <p:nvPicPr>
+          <p:cNvPr id="3074" name="Picture 2"/>
+          <p:cNvPicPr>
+            <a:picLocks noChangeAspect="1" noChangeArrowheads="1"/>
+          </p:cNvPicPr>
+          <p:nvPr/>
+        </p:nvPicPr>
+        <p:blipFill>
+          <a:blip r:embed="rId2"/>
+          <a:srcRect/>
+          <a:stretch>
+            <a:fillRect/>
+          </a:stretch>
+        </p:blipFill>
+        <p:spPr bwMode="auto">
+          <a:xfrm>
+            <a:off x="428596" y="2214554"/>
+            <a:ext cx="8181752" cy="3214710"/>
+          </a:xfrm>
+          <a:prstGeom prst="rect">
+            <a:avLst/>
+          </a:prstGeom>
+          <a:noFill/>
+          <a:ln w="9525">
+            <a:noFill/>
+            <a:miter lim="800000"/>
+            <a:headEnd/>
+            <a:tailEnd/>
+          </a:ln>
+          <a:effectLst/>
+        </p:spPr>
+      </p:pic>
     </p:spTree>
   </p:cSld>
   <p:clrMapOvr>
@@ -4111,7 +4080,7 @@
           <a:p>
             <a:r>
               <a:rPr lang="pl-PL" dirty="0" smtClean="0"/>
-              <a:t>10. Prezentacja Systemu</a:t>
+              <a:t>7. Etap II: Serwis internetowy</a:t>
             </a:r>
             <a:endParaRPr lang="pl-PL" dirty="0"/>
           </a:p>
@@ -4129,81 +4098,50 @@
         </p:nvSpPr>
         <p:spPr/>
         <p:txBody>
-          <a:bodyPr>
-            <a:normAutofit lnSpcReduction="10000"/>
-          </a:bodyPr>
-          <a:lstStyle/>
-          <a:p>
-            <a:r>
-              <a:rPr lang="pl-PL" dirty="0" smtClean="0"/>
-              <a:t>W kolejnych slajdach zostały przedstawione kluczowe przypadki użycia systemu</a:t>
-            </a:r>
-          </a:p>
-          <a:p>
-            <a:r>
-              <a:rPr lang="pl-PL" dirty="0" smtClean="0"/>
-              <a:t>Są one pozbawione </a:t>
-            </a:r>
-            <a:r>
-              <a:rPr lang="pl-PL" dirty="0" err="1" smtClean="0"/>
-              <a:t>ostylowania</a:t>
-            </a:r>
-            <a:r>
-              <a:rPr lang="pl-PL" dirty="0" smtClean="0"/>
-              <a:t> </a:t>
-            </a:r>
-            <a:r>
-              <a:rPr lang="pl-PL" dirty="0" err="1" smtClean="0"/>
-              <a:t>css</a:t>
-            </a:r>
-            <a:r>
-              <a:rPr lang="pl-PL" dirty="0" smtClean="0"/>
-              <a:t> (</a:t>
-            </a:r>
-            <a:r>
-              <a:rPr lang="pl-PL" dirty="0" err="1" smtClean="0"/>
-              <a:t>Cascading</a:t>
-            </a:r>
-            <a:r>
-              <a:rPr lang="pl-PL" dirty="0" smtClean="0"/>
-              <a:t> Style </a:t>
-            </a:r>
-            <a:r>
-              <a:rPr lang="pl-PL" dirty="0" err="1" smtClean="0"/>
-              <a:t>Sheets</a:t>
-            </a:r>
-            <a:r>
-              <a:rPr lang="pl-PL" dirty="0" smtClean="0"/>
-              <a:t>), oraz docelowego rozplanowania elementów HTML (</a:t>
-            </a:r>
-            <a:r>
-              <a:rPr lang="pl-PL" dirty="0" err="1" smtClean="0"/>
-              <a:t>HyperText</a:t>
-            </a:r>
-            <a:r>
-              <a:rPr lang="pl-PL" dirty="0" smtClean="0"/>
-              <a:t> </a:t>
-            </a:r>
-            <a:r>
-              <a:rPr lang="pl-PL" dirty="0" err="1" smtClean="0"/>
-              <a:t>Markup</a:t>
-            </a:r>
-            <a:r>
-              <a:rPr lang="pl-PL" dirty="0" smtClean="0"/>
-              <a:t> </a:t>
-            </a:r>
-            <a:r>
-              <a:rPr lang="pl-PL" dirty="0" err="1" smtClean="0"/>
-              <a:t>Language</a:t>
-            </a:r>
-            <a:r>
-              <a:rPr lang="pl-PL" dirty="0" smtClean="0"/>
-              <a:t>), ze względu na brak skończonych ustaleń pomiędzy zespołem UX a Klientem</a:t>
+          <a:bodyPr/>
+          <a:lstStyle/>
+          <a:p>
+            <a:r>
+              <a:rPr lang="pl-PL" dirty="0" smtClean="0"/>
+              <a:t>Role</a:t>
             </a:r>
             <a:endParaRPr lang="pl-PL" dirty="0"/>
           </a:p>
         </p:txBody>
       </p:sp>
+      <p:pic>
+        <p:nvPicPr>
+          <p:cNvPr id="4098" name="Picture 2"/>
+          <p:cNvPicPr>
+            <a:picLocks noChangeAspect="1" noChangeArrowheads="1"/>
+          </p:cNvPicPr>
+          <p:nvPr/>
+        </p:nvPicPr>
+        <p:blipFill>
+          <a:blip r:embed="rId2"/>
+          <a:srcRect/>
+          <a:stretch>
+            <a:fillRect/>
+          </a:stretch>
+        </p:blipFill>
+        <p:spPr bwMode="auto">
+          <a:xfrm>
+            <a:off x="2571736" y="1181100"/>
+            <a:ext cx="5829300" cy="5676900"/>
+          </a:xfrm>
+          <a:prstGeom prst="rect">
+            <a:avLst/>
+          </a:prstGeom>
+          <a:noFill/>
+          <a:ln w="9525">
+            <a:noFill/>
+            <a:miter lim="800000"/>
+            <a:headEnd/>
+            <a:tailEnd/>
+          </a:ln>
+          <a:effectLst/>
+        </p:spPr>
+      </p:pic>
     </p:spTree>
   </p:cSld>
   <p:clrMapOvr>
@@ -4246,7 +4184,7 @@
           <a:p>
             <a:r>
               <a:rPr lang="pl-PL" dirty="0" smtClean="0"/>
-              <a:t>11. Logowanie (informacje)</a:t>
+              <a:t>7. Etap II: Serwis internetowy</a:t>
             </a:r>
             <a:endParaRPr lang="pl-PL" dirty="0"/>
           </a:p>
@@ -4269,34 +4207,45 @@
           <a:p>
             <a:r>
               <a:rPr lang="pl-PL" dirty="0" smtClean="0"/>
-              <a:t>Zalogować mogą się trzy rodzaje użytkowników, różnych przez założone uprawnienia:</a:t>
-            </a:r>
-          </a:p>
-          <a:p>
-            <a:pPr lvl="1"/>
-            <a:r>
-              <a:rPr lang="pl-PL" dirty="0" err="1" smtClean="0"/>
-              <a:t>Admin</a:t>
-            </a:r>
-            <a:endParaRPr lang="pl-PL" dirty="0" smtClean="0"/>
-          </a:p>
-          <a:p>
-            <a:pPr lvl="1"/>
-            <a:r>
-              <a:rPr lang="pl-PL" dirty="0" smtClean="0"/>
-              <a:t>Manager</a:t>
-            </a:r>
-          </a:p>
-          <a:p>
-            <a:pPr lvl="1"/>
-            <a:r>
-              <a:rPr lang="pl-PL" dirty="0" err="1" smtClean="0"/>
-              <a:t>User</a:t>
-            </a:r>
-            <a:endParaRPr lang="pl-PL" dirty="0" smtClean="0"/>
-          </a:p>
-        </p:txBody>
-      </p:sp>
+              <a:t>Uzasadnienia biznesowe</a:t>
+            </a:r>
+            <a:endParaRPr lang="pl-PL" dirty="0"/>
+          </a:p>
+        </p:txBody>
+      </p:sp>
+      <p:pic>
+        <p:nvPicPr>
+          <p:cNvPr id="5122" name="Picture 2"/>
+          <p:cNvPicPr>
+            <a:picLocks noChangeAspect="1" noChangeArrowheads="1"/>
+          </p:cNvPicPr>
+          <p:nvPr/>
+        </p:nvPicPr>
+        <p:blipFill>
+          <a:blip r:embed="rId2"/>
+          <a:srcRect/>
+          <a:stretch>
+            <a:fillRect/>
+          </a:stretch>
+        </p:blipFill>
+        <p:spPr bwMode="auto">
+          <a:xfrm>
+            <a:off x="714347" y="2357430"/>
+            <a:ext cx="7550145" cy="2571768"/>
+          </a:xfrm>
+          <a:prstGeom prst="rect">
+            <a:avLst/>
+          </a:prstGeom>
+          <a:noFill/>
+          <a:ln w="9525">
+            <a:noFill/>
+            <a:miter lim="800000"/>
+            <a:headEnd/>
+            <a:tailEnd/>
+          </a:ln>
+          <a:effectLst/>
+        </p:spPr>
+      </p:pic>
     </p:spTree>
   </p:cSld>
   <p:clrMapOvr>
@@ -4339,7 +4288,30 @@
           <a:p>
             <a:r>
               <a:rPr lang="pl-PL" dirty="0" smtClean="0"/>
-              <a:t>12. Logowanie (ekran)</a:t>
+              <a:t>7. Etap II: Serwis internetowy</a:t>
+            </a:r>
+            <a:endParaRPr lang="pl-PL" dirty="0"/>
+          </a:p>
+        </p:txBody>
+      </p:sp>
+      <p:sp>
+        <p:nvSpPr>
+          <p:cNvPr id="3" name="Symbol zastępczy zawartości 2"/>
+          <p:cNvSpPr>
+            <a:spLocks noGrp="1"/>
+          </p:cNvSpPr>
+          <p:nvPr>
+            <p:ph idx="1"/>
+          </p:nvPr>
+        </p:nvSpPr>
+        <p:spPr/>
+        <p:txBody>
+          <a:bodyPr/>
+          <a:lstStyle/>
+          <a:p>
+            <a:r>
+              <a:rPr lang="pl-PL" dirty="0" smtClean="0"/>
+              <a:t>Uzasadnienia opłacalności rozwiązania</a:t>
             </a:r>
             <a:endParaRPr lang="pl-PL" dirty="0"/>
           </a:p>
@@ -4347,25 +4319,35 @@
       </p:sp>
       <p:pic>
         <p:nvPicPr>
-          <p:cNvPr id="5" name="Symbol zastępczy zawartości 4" descr="01.png"/>
+          <p:cNvPr id="6146" name="Picture 2"/>
           <p:cNvPicPr>
-            <a:picLocks noGrp="1" noChangeAspect="1"/>
+            <a:picLocks noChangeAspect="1" noChangeArrowheads="1"/>
           </p:cNvPicPr>
-          <p:nvPr>
-            <p:ph idx="1"/>
-          </p:nvPr>
+          <p:nvPr/>
         </p:nvPicPr>
         <p:blipFill>
           <a:blip r:embed="rId2"/>
+          <a:srcRect/>
           <a:stretch>
             <a:fillRect/>
           </a:stretch>
         </p:blipFill>
-        <p:spPr>
+        <p:spPr bwMode="auto">
           <a:xfrm>
-            <a:off x="285720" y="1285860"/>
-            <a:ext cx="8627064" cy="4857784"/>
+            <a:off x="428595" y="2214554"/>
+            <a:ext cx="8628739" cy="2786082"/>
           </a:xfrm>
+          <a:prstGeom prst="rect">
+            <a:avLst/>
+          </a:prstGeom>
+          <a:noFill/>
+          <a:ln w="9525">
+            <a:noFill/>
+            <a:miter lim="800000"/>
+            <a:headEnd/>
+            <a:tailEnd/>
+          </a:ln>
+          <a:effectLst/>
         </p:spPr>
       </p:pic>
     </p:spTree>
@@ -4405,22 +4387,12 @@
         </p:nvSpPr>
         <p:spPr/>
         <p:txBody>
-          <a:bodyPr>
-            <a:normAutofit/>
-          </a:bodyPr>
-          <a:lstStyle/>
-          <a:p>
-            <a:r>
-              <a:rPr lang="pl-PL" dirty="0" smtClean="0"/>
-              <a:t>13. Konto </a:t>
-            </a:r>
-            <a:r>
-              <a:rPr lang="pl-PL" dirty="0" err="1" smtClean="0"/>
-              <a:t>Admin</a:t>
-            </a:r>
-            <a:r>
-              <a:rPr lang="pl-PL" dirty="0" smtClean="0"/>
-              <a:t> (informacje)</a:t>
+          <a:bodyPr/>
+          <a:lstStyle/>
+          <a:p>
+            <a:r>
+              <a:rPr lang="pl-PL" dirty="0" smtClean="0"/>
+              <a:t>8. Etap III: Szkolenia</a:t>
             </a:r>
             <a:endParaRPr lang="pl-PL" dirty="0"/>
           </a:p>
@@ -4443,50 +4415,25 @@
           <a:p>
             <a:r>
               <a:rPr lang="pl-PL" dirty="0" smtClean="0"/>
-              <a:t>Poniżej pokazano, że konto </a:t>
-            </a:r>
-            <a:r>
-              <a:rPr lang="pl-PL" dirty="0" err="1" smtClean="0"/>
-              <a:t>admin</a:t>
-            </a:r>
-            <a:r>
-              <a:rPr lang="pl-PL" dirty="0" smtClean="0"/>
-              <a:t> ma dostęp do:</a:t>
+              <a:t>Przeprowadzenie szkoleń obejmuje</a:t>
             </a:r>
           </a:p>
           <a:p>
             <a:pPr lvl="1"/>
             <a:r>
               <a:rPr lang="pl-PL" dirty="0" smtClean="0"/>
-              <a:t>Wszystkich projektów</a:t>
+              <a:t>Szkolenia z obsługi nowych laptopów</a:t>
             </a:r>
           </a:p>
           <a:p>
             <a:pPr lvl="1"/>
             <a:r>
               <a:rPr lang="pl-PL" dirty="0" smtClean="0"/>
-              <a:t>Wszystkich </a:t>
-            </a:r>
-            <a:r>
-              <a:rPr lang="pl-PL" dirty="0" err="1" smtClean="0"/>
-              <a:t>issues</a:t>
-            </a:r>
-            <a:endParaRPr lang="pl-PL" dirty="0" smtClean="0"/>
+              <a:t>Szkolenia z obsługi aplikacji</a:t>
+            </a:r>
           </a:p>
           <a:p>
             <a:pPr lvl="1"/>
-            <a:r>
-              <a:rPr lang="pl-PL" dirty="0" smtClean="0"/>
-              <a:t>Pełnego </a:t>
-            </a:r>
-            <a:r>
-              <a:rPr lang="pl-PL" dirty="0" err="1" smtClean="0"/>
-              <a:t>user</a:t>
-            </a:r>
-            <a:r>
-              <a:rPr lang="pl-PL" dirty="0" smtClean="0"/>
-              <a:t> management</a:t>
-            </a:r>
             <a:endParaRPr lang="pl-PL" dirty="0"/>
           </a:p>
         </p:txBody>
@@ -4533,43 +4480,128 @@
           <a:p>
             <a:r>
               <a:rPr lang="pl-PL" dirty="0" smtClean="0"/>
-              <a:t>14. </a:t>
+              <a:t>9. Technologia</a:t>
+            </a:r>
+            <a:endParaRPr lang="pl-PL" dirty="0"/>
+          </a:p>
+        </p:txBody>
+      </p:sp>
+      <p:sp>
+        <p:nvSpPr>
+          <p:cNvPr id="3" name="Symbol zastępczy zawartości 2"/>
+          <p:cNvSpPr>
+            <a:spLocks noGrp="1"/>
+          </p:cNvSpPr>
+          <p:nvPr>
+            <p:ph idx="1"/>
+          </p:nvPr>
+        </p:nvSpPr>
+        <p:spPr/>
+        <p:txBody>
+          <a:bodyPr>
+            <a:normAutofit lnSpcReduction="10000"/>
+          </a:bodyPr>
+          <a:lstStyle/>
+          <a:p>
+            <a:r>
+              <a:rPr lang="pl-PL" dirty="0" smtClean="0"/>
+              <a:t>Technologia wybrana do realizacji zadania to:</a:t>
+            </a:r>
+          </a:p>
+          <a:p>
+            <a:pPr lvl="1"/>
+            <a:r>
+              <a:rPr lang="pl-PL" dirty="0" smtClean="0"/>
+              <a:t>Środowisko </a:t>
             </a:r>
             <a:r>
               <a:rPr lang="pl-PL" dirty="0" err="1" smtClean="0"/>
-              <a:t>Admin</a:t>
-            </a:r>
-            <a:r>
-              <a:rPr lang="pl-PL" dirty="0" smtClean="0"/>
-              <a:t> – Projekty</a:t>
-            </a:r>
-            <a:endParaRPr lang="pl-PL" dirty="0"/>
-          </a:p>
-        </p:txBody>
-      </p:sp>
-      <p:pic>
-        <p:nvPicPr>
-          <p:cNvPr id="4" name="Symbol zastępczy zawartości 3" descr="02.png"/>
-          <p:cNvPicPr>
-            <a:picLocks noGrp="1" noChangeAspect="1"/>
-          </p:cNvPicPr>
-          <p:nvPr>
-            <p:ph idx="1"/>
-          </p:nvPr>
-        </p:nvPicPr>
-        <p:blipFill>
-          <a:blip r:embed="rId2"/>
-          <a:stretch>
-            <a:fillRect/>
-          </a:stretch>
-        </p:blipFill>
-        <p:spPr>
-          <a:xfrm>
-            <a:off x="214281" y="1214422"/>
-            <a:ext cx="8627065" cy="4857784"/>
-          </a:xfrm>
-        </p:spPr>
-      </p:pic>
+              <a:t>node.js</a:t>
+            </a:r>
+            <a:endParaRPr lang="pl-PL" dirty="0" smtClean="0"/>
+          </a:p>
+          <a:p>
+            <a:pPr lvl="1"/>
+            <a:r>
+              <a:rPr lang="pl-PL" dirty="0" smtClean="0"/>
+              <a:t>Framework webowy </a:t>
+            </a:r>
+            <a:r>
+              <a:rPr lang="pl-PL" dirty="0" err="1" smtClean="0"/>
+              <a:t>express.js</a:t>
+            </a:r>
+            <a:endParaRPr lang="pl-PL" dirty="0" smtClean="0"/>
+          </a:p>
+          <a:p>
+            <a:pPr lvl="1"/>
+            <a:r>
+              <a:rPr lang="pl-PL" dirty="0" err="1" smtClean="0"/>
+              <a:t>passport.js</a:t>
+            </a:r>
+            <a:r>
+              <a:rPr lang="pl-PL" dirty="0" smtClean="0"/>
+              <a:t> - </a:t>
+            </a:r>
+            <a:r>
+              <a:rPr lang="pl-PL" dirty="0" err="1" smtClean="0"/>
+              <a:t>middleware</a:t>
+            </a:r>
+            <a:r>
+              <a:rPr lang="pl-PL" dirty="0" smtClean="0"/>
+              <a:t> of </a:t>
+            </a:r>
+            <a:r>
+              <a:rPr lang="pl-PL" dirty="0" err="1" smtClean="0"/>
+              <a:t>express</a:t>
+            </a:r>
+            <a:r>
+              <a:rPr lang="pl-PL" dirty="0" smtClean="0"/>
+              <a:t> to </a:t>
+            </a:r>
+            <a:r>
+              <a:rPr lang="pl-PL" dirty="0" err="1" smtClean="0"/>
+              <a:t>authenticate</a:t>
+            </a:r>
+            <a:r>
+              <a:rPr lang="pl-PL" dirty="0" smtClean="0"/>
+              <a:t> </a:t>
+            </a:r>
+            <a:r>
+              <a:rPr lang="pl-PL" dirty="0" err="1" smtClean="0"/>
+              <a:t>users</a:t>
+            </a:r>
+            <a:endParaRPr lang="pl-PL" dirty="0" smtClean="0"/>
+          </a:p>
+          <a:p>
+            <a:r>
+              <a:rPr lang="pl-PL" dirty="0" smtClean="0"/>
+              <a:t>Powody:</a:t>
+            </a:r>
+          </a:p>
+          <a:p>
+            <a:pPr lvl="1"/>
+            <a:r>
+              <a:rPr lang="pl-PL" dirty="0" smtClean="0"/>
+              <a:t>Znajomość danych technologii</a:t>
+            </a:r>
+          </a:p>
+          <a:p>
+            <a:pPr lvl="1"/>
+            <a:r>
+              <a:rPr lang="pl-PL" dirty="0" smtClean="0"/>
+              <a:t>Prostota we wdrożeniu </a:t>
+            </a:r>
+            <a:r>
+              <a:rPr lang="pl-PL" dirty="0" smtClean="0"/>
+              <a:t>wstępnej wersji  </a:t>
+            </a:r>
+            <a:r>
+              <a:rPr lang="pl-PL" dirty="0" smtClean="0"/>
+              <a:t>aplikacji</a:t>
+            </a:r>
+          </a:p>
+        </p:txBody>
+      </p:sp>
     </p:spTree>
   </p:cSld>
   <p:clrMapOvr>
@@ -4612,47 +4644,99 @@
           <a:p>
             <a:r>
               <a:rPr lang="pl-PL" dirty="0" smtClean="0"/>
-              <a:t>15. </a:t>
+              <a:t>10. Prezentacja Systemu</a:t>
+            </a:r>
+            <a:endParaRPr lang="pl-PL" dirty="0"/>
+          </a:p>
+        </p:txBody>
+      </p:sp>
+      <p:sp>
+        <p:nvSpPr>
+          <p:cNvPr id="3" name="Symbol zastępczy zawartości 2"/>
+          <p:cNvSpPr>
+            <a:spLocks noGrp="1"/>
+          </p:cNvSpPr>
+          <p:nvPr>
+            <p:ph idx="1"/>
+          </p:nvPr>
+        </p:nvSpPr>
+        <p:spPr/>
+        <p:txBody>
+          <a:bodyPr>
+            <a:normAutofit lnSpcReduction="10000"/>
+          </a:bodyPr>
+          <a:lstStyle/>
+          <a:p>
+            <a:r>
+              <a:rPr lang="pl-PL" dirty="0" smtClean="0"/>
+              <a:t>W kolejnych slajdach zostały przedstawione kluczowe przypadki użycia systemu</a:t>
+            </a:r>
+          </a:p>
+          <a:p>
+            <a:r>
+              <a:rPr lang="pl-PL" dirty="0" smtClean="0"/>
+              <a:t>Są one pozbawione </a:t>
             </a:r>
             <a:r>
               <a:rPr lang="pl-PL" dirty="0" err="1" smtClean="0"/>
-              <a:t>Admin</a:t>
-            </a:r>
-            <a:r>
-              <a:rPr lang="pl-PL" dirty="0" smtClean="0"/>
-              <a:t> – </a:t>
+              <a:t>ostylowania</a:t>
+            </a:r>
+            <a:r>
+              <a:rPr lang="pl-PL" dirty="0" smtClean="0"/>
+              <a:t> </a:t>
             </a:r>
             <a:r>
               <a:rPr lang="pl-PL" dirty="0" err="1" smtClean="0"/>
-              <a:t>Issues</a:t>
+              <a:t>css</a:t>
+            </a:r>
+            <a:r>
+              <a:rPr lang="pl-PL" dirty="0" smtClean="0"/>
+              <a:t> (</a:t>
+            </a:r>
+            <a:r>
+              <a:rPr lang="pl-PL" dirty="0" err="1" smtClean="0"/>
+              <a:t>Cascading</a:t>
+            </a:r>
+            <a:r>
+              <a:rPr lang="pl-PL" dirty="0" smtClean="0"/>
+              <a:t> Style </a:t>
+            </a:r>
+            <a:r>
+              <a:rPr lang="pl-PL" dirty="0" err="1" smtClean="0"/>
+              <a:t>Sheets</a:t>
+            </a:r>
+            <a:r>
+              <a:rPr lang="pl-PL" dirty="0" smtClean="0"/>
+              <a:t>), oraz docelowego rozplanowania elementów HTML (</a:t>
+            </a:r>
+            <a:r>
+              <a:rPr lang="pl-PL" dirty="0" err="1" smtClean="0"/>
+              <a:t>HyperText</a:t>
+            </a:r>
+            <a:r>
+              <a:rPr lang="pl-PL" dirty="0" smtClean="0"/>
+              <a:t> </a:t>
+            </a:r>
+            <a:r>
+              <a:rPr lang="pl-PL" dirty="0" err="1" smtClean="0"/>
+              <a:t>Markup</a:t>
+            </a:r>
+            <a:r>
+              <a:rPr lang="pl-PL" dirty="0" smtClean="0"/>
+              <a:t> </a:t>
+            </a:r>
+            <a:r>
+              <a:rPr lang="pl-PL" dirty="0" err="1" smtClean="0"/>
+              <a:t>Language</a:t>
+            </a:r>
+            <a:r>
+              <a:rPr lang="pl-PL" dirty="0" smtClean="0"/>
+              <a:t>), ze względu na brak skończonych ustaleń pomiędzy zespołem UX a Klientem</a:t>
             </a:r>
             <a:endParaRPr lang="pl-PL" dirty="0"/>
           </a:p>
         </p:txBody>
       </p:sp>
-      <p:pic>
-        <p:nvPicPr>
-          <p:cNvPr id="4" name="Symbol zastępczy zawartości 3" descr="03.png"/>
-          <p:cNvPicPr>
-            <a:picLocks noGrp="1" noChangeAspect="1"/>
-          </p:cNvPicPr>
-          <p:nvPr>
-            <p:ph idx="1"/>
-          </p:nvPr>
-        </p:nvPicPr>
-        <p:blipFill>
-          <a:blip r:embed="rId2"/>
-          <a:stretch>
-            <a:fillRect/>
-          </a:stretch>
-        </p:blipFill>
-        <p:spPr>
-          <a:xfrm>
-            <a:off x="214281" y="1285860"/>
-            <a:ext cx="8627065" cy="4857784"/>
-          </a:xfrm>
-        </p:spPr>
-      </p:pic>
     </p:spTree>
   </p:cSld>
   <p:clrMapOvr>
@@ -4690,58 +4774,62 @@
         </p:nvSpPr>
         <p:spPr/>
         <p:txBody>
-          <a:bodyPr>
-            <a:normAutofit fontScale="90000"/>
-          </a:bodyPr>
-          <a:lstStyle/>
-          <a:p>
-            <a:r>
-              <a:rPr lang="pl-PL" dirty="0" smtClean="0"/>
-              <a:t>16. </a:t>
-            </a:r>
+          <a:bodyPr/>
+          <a:lstStyle/>
+          <a:p>
+            <a:r>
+              <a:rPr lang="pl-PL" dirty="0" smtClean="0"/>
+              <a:t>11. Logowanie (informacje)</a:t>
+            </a:r>
+            <a:endParaRPr lang="pl-PL" dirty="0"/>
+          </a:p>
+        </p:txBody>
+      </p:sp>
+      <p:sp>
+        <p:nvSpPr>
+          <p:cNvPr id="3" name="Symbol zastępczy zawartości 2"/>
+          <p:cNvSpPr>
+            <a:spLocks noGrp="1"/>
+          </p:cNvSpPr>
+          <p:nvPr>
+            <p:ph idx="1"/>
+          </p:nvPr>
+        </p:nvSpPr>
+        <p:spPr/>
+        <p:txBody>
+          <a:bodyPr/>
+          <a:lstStyle/>
+          <a:p>
+            <a:r>
+              <a:rPr lang="pl-PL" dirty="0" smtClean="0"/>
+              <a:t>Zalogować mogą się trzy rodzaje użytkowników, różnych przez założone uprawnienia:</a:t>
+            </a:r>
+          </a:p>
+          <a:p>
+            <a:pPr lvl="1"/>
             <a:r>
               <a:rPr lang="pl-PL" dirty="0" err="1" smtClean="0"/>
               <a:t>Admin</a:t>
             </a:r>
-            <a:r>
-              <a:rPr lang="pl-PL" dirty="0" smtClean="0"/>
-              <a:t> – </a:t>
-            </a:r>
+            <a:endParaRPr lang="pl-PL" dirty="0" smtClean="0"/>
+          </a:p>
+          <a:p>
+            <a:pPr lvl="1"/>
+            <a:r>
+              <a:rPr lang="pl-PL" dirty="0" smtClean="0"/>
+              <a:t>Manager</a:t>
+            </a:r>
+          </a:p>
+          <a:p>
+            <a:pPr lvl="1"/>
             <a:r>
               <a:rPr lang="pl-PL" dirty="0" err="1" smtClean="0"/>
               <a:t>User</a:t>
             </a:r>
-            <a:r>
-              <a:rPr lang="pl-PL" dirty="0" smtClean="0"/>
-              <a:t> Management</a:t>
-            </a:r>
-            <a:endParaRPr lang="pl-PL" dirty="0"/>
-          </a:p>
-        </p:txBody>
-      </p:sp>
-      <p:pic>
-        <p:nvPicPr>
-          <p:cNvPr id="4" name="Symbol zastępczy zawartości 3" descr="04.png"/>
-          <p:cNvPicPr>
-            <a:picLocks noGrp="1" noChangeAspect="1"/>
-          </p:cNvPicPr>
-          <p:nvPr>
-            <p:ph idx="1"/>
-          </p:nvPr>
-        </p:nvPicPr>
-        <p:blipFill>
-          <a:blip r:embed="rId2"/>
-          <a:stretch>
-            <a:fillRect/>
-          </a:stretch>
-        </p:blipFill>
-        <p:spPr>
-          <a:xfrm>
-            <a:off x="214282" y="1285860"/>
-            <a:ext cx="8500196" cy="4786346"/>
-          </a:xfrm>
-        </p:spPr>
-      </p:pic>
+            <a:endParaRPr lang="pl-PL" dirty="0" smtClean="0"/>
+          </a:p>
+        </p:txBody>
+      </p:sp>
     </p:spTree>
   </p:cSld>
   <p:clrMapOvr>
@@ -4859,72 +4947,40 @@
         </p:nvSpPr>
         <p:spPr/>
         <p:txBody>
-          <a:bodyPr>
-            <a:normAutofit fontScale="90000"/>
-          </a:bodyPr>
-          <a:lstStyle/>
-          <a:p>
-            <a:r>
-              <a:rPr lang="pl-PL" dirty="0" smtClean="0"/>
-              <a:t>17. Konto – Manager (informacje)</a:t>
+          <a:bodyPr/>
+          <a:lstStyle/>
+          <a:p>
+            <a:r>
+              <a:rPr lang="pl-PL" dirty="0" smtClean="0"/>
+              <a:t>12. Logowanie (ekran)</a:t>
             </a:r>
             <a:endParaRPr lang="pl-PL" dirty="0"/>
           </a:p>
         </p:txBody>
       </p:sp>
-      <p:sp>
-        <p:nvSpPr>
-          <p:cNvPr id="3" name="Symbol zastępczy zawartości 2"/>
-          <p:cNvSpPr>
-            <a:spLocks noGrp="1"/>
-          </p:cNvSpPr>
+      <p:pic>
+        <p:nvPicPr>
+          <p:cNvPr id="5" name="Symbol zastępczy zawartości 4" descr="01.png"/>
+          <p:cNvPicPr>
+            <a:picLocks noGrp="1" noChangeAspect="1"/>
+          </p:cNvPicPr>
           <p:nvPr>
             <p:ph idx="1"/>
           </p:nvPr>
-        </p:nvSpPr>
-        <p:spPr/>
-        <p:txBody>
-          <a:bodyPr/>
-          <a:lstStyle/>
-          <a:p>
-            <a:r>
-              <a:rPr lang="pl-PL" dirty="0" smtClean="0"/>
-              <a:t>Konto Manager ma dostęp do:</a:t>
-            </a:r>
-          </a:p>
-          <a:p>
-            <a:pPr lvl="1"/>
-            <a:r>
-              <a:rPr lang="pl-PL" dirty="0" smtClean="0"/>
-              <a:t>Wszystkich projektów</a:t>
-            </a:r>
-          </a:p>
-          <a:p>
-            <a:pPr lvl="1"/>
-            <a:r>
-              <a:rPr lang="pl-PL" dirty="0" smtClean="0"/>
-              <a:t>Wszystkich </a:t>
-            </a:r>
-            <a:r>
-              <a:rPr lang="pl-PL" dirty="0" err="1" smtClean="0"/>
-              <a:t>issues</a:t>
-            </a:r>
-            <a:endParaRPr lang="pl-PL" dirty="0" smtClean="0"/>
-          </a:p>
-          <a:p>
-            <a:pPr lvl="1"/>
-            <a:r>
-              <a:rPr lang="pl-PL" dirty="0" err="1" smtClean="0"/>
-              <a:t>User</a:t>
-            </a:r>
-            <a:r>
-              <a:rPr lang="pl-PL" dirty="0" smtClean="0"/>
-              <a:t> management (po za dodawaniem i usuwaniem)</a:t>
-            </a:r>
-            <a:endParaRPr lang="pl-PL" dirty="0"/>
-          </a:p>
-        </p:txBody>
-      </p:sp>
+        </p:nvPicPr>
+        <p:blipFill>
+          <a:blip r:embed="rId2"/>
+          <a:stretch>
+            <a:fillRect/>
+          </a:stretch>
+        </p:blipFill>
+        <p:spPr>
+          <a:xfrm>
+            <a:off x="285720" y="1285860"/>
+            <a:ext cx="8627064" cy="4857784"/>
+          </a:xfrm>
+        </p:spPr>
+      </p:pic>
     </p:spTree>
   </p:cSld>
   <p:clrMapOvr>
@@ -4969,35 +5025,85 @@
           <a:p>
             <a:r>
               <a:rPr lang="pl-PL" dirty="0" smtClean="0"/>
-              <a:t>18. Manager – projekty</a:t>
+              <a:t>13. Konto </a:t>
+            </a:r>
+            <a:r>
+              <a:rPr lang="pl-PL" dirty="0" err="1" smtClean="0"/>
+              <a:t>Admin</a:t>
+            </a:r>
+            <a:r>
+              <a:rPr lang="pl-PL" dirty="0" smtClean="0"/>
+              <a:t> (informacje)</a:t>
             </a:r>
             <a:endParaRPr lang="pl-PL" dirty="0"/>
           </a:p>
         </p:txBody>
       </p:sp>
-      <p:pic>
-        <p:nvPicPr>
-          <p:cNvPr id="4" name="Symbol zastępczy zawartości 3" descr="05.png"/>
-          <p:cNvPicPr>
-            <a:picLocks noGrp="1" noChangeAspect="1"/>
-          </p:cNvPicPr>
+      <p:sp>
+        <p:nvSpPr>
+          <p:cNvPr id="3" name="Symbol zastępczy zawartości 2"/>
+          <p:cNvSpPr>
+            <a:spLocks noGrp="1"/>
+          </p:cNvSpPr>
           <p:nvPr>
             <p:ph idx="1"/>
           </p:nvPr>
-        </p:nvPicPr>
-        <p:blipFill>
-          <a:blip r:embed="rId2"/>
-          <a:stretch>
-            <a:fillRect/>
-          </a:stretch>
-        </p:blipFill>
-        <p:spPr>
-          <a:xfrm>
-            <a:off x="214281" y="1214422"/>
-            <a:ext cx="8753933" cy="4929222"/>
-          </a:xfrm>
-        </p:spPr>
-      </p:pic>
+        </p:nvSpPr>
+        <p:spPr/>
+        <p:txBody>
+          <a:bodyPr/>
+          <a:lstStyle/>
+          <a:p>
+            <a:r>
+              <a:rPr lang="pl-PL" dirty="0" smtClean="0"/>
+              <a:t>Poniżej pokazano, że konto </a:t>
+            </a:r>
+            <a:r>
+              <a:rPr lang="pl-PL" dirty="0" err="1" smtClean="0"/>
+              <a:t>admin</a:t>
+            </a:r>
+            <a:r>
+              <a:rPr lang="pl-PL" dirty="0" smtClean="0"/>
+              <a:t> ma dostęp do:</a:t>
+            </a:r>
+          </a:p>
+          <a:p>
+            <a:pPr lvl="1"/>
+            <a:r>
+              <a:rPr lang="pl-PL" dirty="0" smtClean="0"/>
+              <a:t>Wszystkich projektów</a:t>
+            </a:r>
+          </a:p>
+          <a:p>
+            <a:pPr lvl="1"/>
+            <a:r>
+              <a:rPr lang="pl-PL" dirty="0" smtClean="0"/>
+              <a:t>Wszystkich </a:t>
+            </a:r>
+            <a:r>
+              <a:rPr lang="pl-PL" dirty="0" err="1" smtClean="0"/>
+              <a:t>issues</a:t>
+            </a:r>
+            <a:endParaRPr lang="pl-PL" dirty="0" smtClean="0"/>
+          </a:p>
+          <a:p>
+            <a:pPr lvl="1"/>
+            <a:r>
+              <a:rPr lang="pl-PL" dirty="0" smtClean="0"/>
+              <a:t>Pełnego </a:t>
+            </a:r>
+            <a:r>
+              <a:rPr lang="pl-PL" dirty="0" err="1" smtClean="0"/>
+              <a:t>user</a:t>
+            </a:r>
+            <a:r>
+              <a:rPr lang="pl-PL" dirty="0" smtClean="0"/>
+              <a:t> management</a:t>
+            </a:r>
+            <a:endParaRPr lang="pl-PL" dirty="0"/>
+          </a:p>
+        </p:txBody>
+      </p:sp>
     </p:spTree>
   </p:cSld>
   <p:clrMapOvr>
@@ -5040,11 +5146,15 @@
           <a:p>
             <a:r>
               <a:rPr lang="pl-PL" dirty="0" smtClean="0"/>
-              <a:t>19. Manager - </a:t>
+              <a:t>14. </a:t>
             </a:r>
             <a:r>
               <a:rPr lang="pl-PL" dirty="0" err="1" smtClean="0"/>
-              <a:t>issues</a:t>
+              <a:t>Admin</a:t>
+            </a:r>
+            <a:r>
+              <a:rPr lang="pl-PL" dirty="0" smtClean="0"/>
+              <a:t> – Projekty</a:t>
             </a:r>
             <a:endParaRPr lang="pl-PL" dirty="0"/>
           </a:p>
@@ -5052,7 +5162,7 @@
       </p:sp>
       <p:pic>
         <p:nvPicPr>
-          <p:cNvPr id="4" name="Symbol zastępczy zawartości 3" descr="06.png"/>
+          <p:cNvPr id="4" name="Symbol zastępczy zawartości 3" descr="02.png"/>
           <p:cNvPicPr>
             <a:picLocks noGrp="1" noChangeAspect="1"/>
           </p:cNvPicPr>
@@ -5068,8 +5178,8 @@
         </p:blipFill>
         <p:spPr>
           <a:xfrm>
-            <a:off x="214282" y="1285860"/>
-            <a:ext cx="8500196" cy="4786346"/>
+            <a:off x="214281" y="1214422"/>
+            <a:ext cx="8627065" cy="4857784"/>
           </a:xfrm>
         </p:spPr>
       </p:pic>
@@ -5110,22 +5220,24 @@
         </p:nvSpPr>
         <p:spPr/>
         <p:txBody>
-          <a:bodyPr>
-            <a:normAutofit fontScale="90000"/>
-          </a:bodyPr>
-          <a:lstStyle/>
-          <a:p>
-            <a:r>
-              <a:rPr lang="pl-PL" dirty="0" smtClean="0"/>
-              <a:t>20. Manager – </a:t>
+          <a:bodyPr/>
+          <a:lstStyle/>
+          <a:p>
+            <a:r>
+              <a:rPr lang="pl-PL" dirty="0" smtClean="0"/>
+              <a:t>15. </a:t>
             </a:r>
             <a:r>
               <a:rPr lang="pl-PL" dirty="0" err="1" smtClean="0"/>
-              <a:t>User</a:t>
-            </a:r>
-            <a:r>
-              <a:rPr lang="pl-PL" dirty="0" smtClean="0"/>
-              <a:t> management</a:t>
+              <a:t>Admin</a:t>
+            </a:r>
+            <a:r>
+              <a:rPr lang="pl-PL" dirty="0" smtClean="0"/>
+              <a:t> – </a:t>
+            </a:r>
+            <a:r>
+              <a:rPr lang="pl-PL" dirty="0" err="1" smtClean="0"/>
+              <a:t>Issues</a:t>
             </a:r>
             <a:endParaRPr lang="pl-PL" dirty="0"/>
           </a:p>
@@ -5133,7 +5245,7 @@
       </p:sp>
       <p:pic>
         <p:nvPicPr>
-          <p:cNvPr id="4" name="Symbol zastępczy zawartości 3" descr="07.png"/>
+          <p:cNvPr id="4" name="Symbol zastępczy zawartości 3" descr="03.png"/>
           <p:cNvPicPr>
             <a:picLocks noGrp="1" noChangeAspect="1"/>
           </p:cNvPicPr>
@@ -5149,7 +5261,7 @@
         </p:blipFill>
         <p:spPr>
           <a:xfrm>
-            <a:off x="214281" y="1500174"/>
+            <a:off x="214281" y="1285860"/>
             <a:ext cx="8627065" cy="4857784"/>
           </a:xfrm>
         </p:spPr>
@@ -5198,11 +5310,23 @@
           <a:p>
             <a:r>
               <a:rPr lang="pl-PL" dirty="0" smtClean="0"/>
-              <a:t>21. Manager –brak usuwania i dodawania </a:t>
+              <a:t>16. </a:t>
             </a:r>
             <a:r>
               <a:rPr lang="pl-PL" dirty="0" err="1" smtClean="0"/>
-              <a:t>Userów</a:t>
+              <a:t>Admin</a:t>
+            </a:r>
+            <a:r>
+              <a:rPr lang="pl-PL" dirty="0" smtClean="0"/>
+              <a:t> – </a:t>
+            </a:r>
+            <a:r>
+              <a:rPr lang="pl-PL" dirty="0" err="1" smtClean="0"/>
+              <a:t>User</a:t>
+            </a:r>
+            <a:r>
+              <a:rPr lang="pl-PL" dirty="0" smtClean="0"/>
+              <a:t> Management</a:t>
             </a:r>
             <a:endParaRPr lang="pl-PL" dirty="0"/>
           </a:p>
@@ -5210,7 +5334,7 @@
       </p:sp>
       <p:pic>
         <p:nvPicPr>
-          <p:cNvPr id="4" name="Symbol zastępczy zawartości 3" descr="08.png"/>
+          <p:cNvPr id="4" name="Symbol zastępczy zawartości 3" descr="04.png"/>
           <p:cNvPicPr>
             <a:picLocks noGrp="1" noChangeAspect="1"/>
           </p:cNvPicPr>
@@ -5226,8 +5350,8 @@
         </p:blipFill>
         <p:spPr>
           <a:xfrm>
-            <a:off x="214281" y="1500174"/>
-            <a:ext cx="8627065" cy="4857784"/>
+            <a:off x="214282" y="1285860"/>
+            <a:ext cx="8500196" cy="4786346"/>
           </a:xfrm>
         </p:spPr>
       </p:pic>
@@ -5268,104 +5392,69 @@
         </p:nvSpPr>
         <p:spPr/>
         <p:txBody>
-          <a:bodyPr/>
-          <a:lstStyle/>
-          <a:p>
-            <a:r>
-              <a:rPr lang="pl-PL" dirty="0" smtClean="0"/>
-              <a:t>22. Konto </a:t>
-            </a:r>
+          <a:bodyPr>
+            <a:normAutofit fontScale="90000"/>
+          </a:bodyPr>
+          <a:lstStyle/>
+          <a:p>
+            <a:r>
+              <a:rPr lang="pl-PL" dirty="0" smtClean="0"/>
+              <a:t>17. Konto – Manager (informacje)</a:t>
+            </a:r>
+            <a:endParaRPr lang="pl-PL" dirty="0"/>
+          </a:p>
+        </p:txBody>
+      </p:sp>
+      <p:sp>
+        <p:nvSpPr>
+          <p:cNvPr id="3" name="Symbol zastępczy zawartości 2"/>
+          <p:cNvSpPr>
+            <a:spLocks noGrp="1"/>
+          </p:cNvSpPr>
+          <p:nvPr>
+            <p:ph idx="1"/>
+          </p:nvPr>
+        </p:nvSpPr>
+        <p:spPr/>
+        <p:txBody>
+          <a:bodyPr/>
+          <a:lstStyle/>
+          <a:p>
+            <a:r>
+              <a:rPr lang="pl-PL" dirty="0" smtClean="0"/>
+              <a:t>Konto Manager ma dostęp do:</a:t>
+            </a:r>
+          </a:p>
+          <a:p>
+            <a:pPr lvl="1"/>
+            <a:r>
+              <a:rPr lang="pl-PL" dirty="0" smtClean="0"/>
+              <a:t>Wszystkich projektów</a:t>
+            </a:r>
+          </a:p>
+          <a:p>
+            <a:pPr lvl="1"/>
+            <a:r>
+              <a:rPr lang="pl-PL" dirty="0" smtClean="0"/>
+              <a:t>Wszystkich </a:t>
+            </a:r>
+            <a:r>
+              <a:rPr lang="pl-PL" dirty="0" err="1" smtClean="0"/>
+              <a:t>issues</a:t>
+            </a:r>
+            <a:endParaRPr lang="pl-PL" dirty="0" smtClean="0"/>
+          </a:p>
+          <a:p>
+            <a:pPr lvl="1"/>
             <a:r>
               <a:rPr lang="pl-PL" dirty="0" err="1" smtClean="0"/>
               <a:t>User</a:t>
             </a:r>
             <a:r>
               <a:rPr lang="pl-PL" dirty="0" smtClean="0"/>
-              <a:t> (informacje)</a:t>
+              <a:t> management (po za dodawaniem i usuwaniem)</a:t>
             </a:r>
             <a:endParaRPr lang="pl-PL" dirty="0"/>
-          </a:p>
-        </p:txBody>
-      </p:sp>
-      <p:sp>
-        <p:nvSpPr>
-          <p:cNvPr id="3" name="Symbol zastępczy zawartości 2"/>
-          <p:cNvSpPr>
-            <a:spLocks noGrp="1"/>
-          </p:cNvSpPr>
-          <p:nvPr>
-            <p:ph idx="1"/>
-          </p:nvPr>
-        </p:nvSpPr>
-        <p:spPr/>
-        <p:txBody>
-          <a:bodyPr/>
-          <a:lstStyle/>
-          <a:p>
-            <a:r>
-              <a:rPr lang="pl-PL" dirty="0" smtClean="0"/>
-              <a:t>Konto </a:t>
-            </a:r>
-            <a:r>
-              <a:rPr lang="pl-PL" dirty="0" err="1" smtClean="0"/>
-              <a:t>User</a:t>
-            </a:r>
-            <a:r>
-              <a:rPr lang="pl-PL" dirty="0" smtClean="0"/>
-              <a:t> ma dostęp do:</a:t>
-            </a:r>
-          </a:p>
-          <a:p>
-            <a:pPr lvl="1"/>
-            <a:r>
-              <a:rPr lang="pl-PL" dirty="0" smtClean="0"/>
-              <a:t>Projektów, w których ma przypisane przynajmniej jedno zadanie</a:t>
-            </a:r>
-          </a:p>
-          <a:p>
-            <a:pPr lvl="1"/>
-            <a:r>
-              <a:rPr lang="pl-PL" dirty="0" err="1" smtClean="0"/>
-              <a:t>Issues</a:t>
-            </a:r>
-            <a:r>
-              <a:rPr lang="pl-PL" dirty="0" smtClean="0"/>
-              <a:t>, w których jest przypisany</a:t>
-            </a:r>
-          </a:p>
-          <a:p>
-            <a:r>
-              <a:rPr lang="pl-PL" dirty="0" err="1" smtClean="0"/>
-              <a:t>User</a:t>
-            </a:r>
-            <a:r>
-              <a:rPr lang="pl-PL" dirty="0" smtClean="0"/>
-              <a:t> nie ma dostępu do:</a:t>
-            </a:r>
-          </a:p>
-          <a:p>
-            <a:pPr lvl="1"/>
-            <a:r>
-              <a:rPr lang="pl-PL" dirty="0" err="1" smtClean="0"/>
-              <a:t>User</a:t>
-            </a:r>
-            <a:r>
-              <a:rPr lang="pl-PL" dirty="0" smtClean="0"/>
-              <a:t> management </a:t>
-            </a:r>
-            <a:r>
-              <a:rPr lang="pl-PL" dirty="0" err="1" smtClean="0"/>
-              <a:t>at</a:t>
-            </a:r>
-            <a:r>
-              <a:rPr lang="pl-PL" dirty="0" smtClean="0"/>
-              <a:t> </a:t>
-            </a:r>
-            <a:r>
-              <a:rPr lang="pl-PL" dirty="0" err="1" smtClean="0"/>
-              <a:t>all</a:t>
-            </a:r>
-            <a:endParaRPr lang="pl-PL" dirty="0" smtClean="0"/>
           </a:p>
         </p:txBody>
       </p:sp>
@@ -5406,20 +5495,14 @@
         </p:nvSpPr>
         <p:spPr/>
         <p:txBody>
-          <a:bodyPr/>
-          <a:lstStyle/>
-          <a:p>
-            <a:r>
-              <a:rPr lang="pl-PL" dirty="0" smtClean="0"/>
-              <a:t>23. </a:t>
-            </a:r>
-            <a:r>
-              <a:rPr lang="pl-PL" dirty="0" err="1" smtClean="0"/>
-              <a:t>User</a:t>
-            </a:r>
-            <a:r>
-              <a:rPr lang="pl-PL" dirty="0" smtClean="0"/>
-              <a:t> – projekty</a:t>
+          <a:bodyPr>
+            <a:normAutofit/>
+          </a:bodyPr>
+          <a:lstStyle/>
+          <a:p>
+            <a:r>
+              <a:rPr lang="pl-PL" dirty="0" smtClean="0"/>
+              <a:t>18. Manager – projekty</a:t>
             </a:r>
             <a:endParaRPr lang="pl-PL" dirty="0"/>
           </a:p>
@@ -5427,7 +5510,7 @@
       </p:sp>
       <p:pic>
         <p:nvPicPr>
-          <p:cNvPr id="4" name="Symbol zastępczy zawartości 3" descr="09.png"/>
+          <p:cNvPr id="4" name="Symbol zastępczy zawartości 3" descr="05.png"/>
           <p:cNvPicPr>
             <a:picLocks noGrp="1" noChangeAspect="1"/>
           </p:cNvPicPr>
@@ -5490,15 +5573,7 @@
           <a:p>
             <a:r>
               <a:rPr lang="pl-PL" dirty="0" smtClean="0"/>
-              <a:t>24. </a:t>
-            </a:r>
-            <a:r>
-              <a:rPr lang="pl-PL" dirty="0" err="1" smtClean="0"/>
-              <a:t>User</a:t>
-            </a:r>
-            <a:r>
-              <a:rPr lang="pl-PL" dirty="0" smtClean="0"/>
-              <a:t> – </a:t>
+              <a:t>19. Manager - </a:t>
             </a:r>
             <a:r>
               <a:rPr lang="pl-PL" dirty="0" err="1" smtClean="0"/>
@@ -5510,7 +5585,7 @@
       </p:sp>
       <p:pic>
         <p:nvPicPr>
-          <p:cNvPr id="4" name="Symbol zastępczy zawartości 3" descr="10.png"/>
+          <p:cNvPr id="4" name="Symbol zastępczy zawartości 3" descr="06.png"/>
           <p:cNvPicPr>
             <a:picLocks noGrp="1" noChangeAspect="1"/>
           </p:cNvPicPr>
@@ -5526,8 +5601,8 @@
         </p:blipFill>
         <p:spPr>
           <a:xfrm>
-            <a:off x="214281" y="1214422"/>
-            <a:ext cx="8753933" cy="4929222"/>
+            <a:off x="214282" y="1285860"/>
+            <a:ext cx="8500196" cy="4786346"/>
           </a:xfrm>
         </p:spPr>
       </p:pic>
@@ -5568,12 +5643,14 @@
         </p:nvSpPr>
         <p:spPr/>
         <p:txBody>
-          <a:bodyPr/>
-          <a:lstStyle/>
-          <a:p>
-            <a:r>
-              <a:rPr lang="pl-PL" dirty="0" smtClean="0"/>
-              <a:t>25. </a:t>
+          <a:bodyPr>
+            <a:normAutofit fontScale="90000"/>
+          </a:bodyPr>
+          <a:lstStyle/>
+          <a:p>
+            <a:r>
+              <a:rPr lang="pl-PL" dirty="0" smtClean="0"/>
+              <a:t>20. Manager – </a:t>
             </a:r>
             <a:r>
               <a:rPr lang="pl-PL" dirty="0" err="1" smtClean="0"/>
@@ -5581,18 +5658,6 @@
             </a:r>
             <a:r>
               <a:rPr lang="pl-PL" dirty="0" smtClean="0"/>
-              <a:t> </a:t>
-            </a:r>
-            <a:r>
-              <a:rPr lang="pl-PL" dirty="0" smtClean="0"/>
-              <a:t>– </a:t>
-            </a:r>
-            <a:r>
-              <a:rPr lang="pl-PL" dirty="0" err="1" smtClean="0"/>
-              <a:t>User</a:t>
-            </a:r>
-            <a:r>
-              <a:rPr lang="pl-PL" dirty="0" smtClean="0"/>
               <a:t> management</a:t>
             </a:r>
             <a:endParaRPr lang="pl-PL" dirty="0"/>
@@ -5601,7 +5666,7 @@
       </p:sp>
       <p:pic>
         <p:nvPicPr>
-          <p:cNvPr id="5" name="Symbol zastępczy zawartości 4" descr="11.png"/>
+          <p:cNvPr id="4" name="Symbol zastępczy zawartości 3" descr="07.png"/>
           <p:cNvPicPr>
             <a:picLocks noGrp="1" noChangeAspect="1"/>
           </p:cNvPicPr>
@@ -5617,8 +5682,85 @@
         </p:blipFill>
         <p:spPr>
           <a:xfrm>
-            <a:off x="214281" y="1214422"/>
-            <a:ext cx="8753933" cy="4929222"/>
+            <a:off x="214281" y="1500174"/>
+            <a:ext cx="8627065" cy="4857784"/>
+          </a:xfrm>
+        </p:spPr>
+      </p:pic>
+    </p:spTree>
+  </p:cSld>
+  <p:clrMapOvr>
+    <a:masterClrMapping/>
+  </p:clrMapOvr>
+</p:sld>
+</file>
+
+<file path=ppt/slides/slide29.xml><?xml version="1.0" encoding="utf-8"?>
+<p:sld xmlns:a="http://schemas.openxmlformats.org/drawingml/2006/main" xmlns:r="http://schemas.openxmlformats.org/officeDocument/2006/relationships" xmlns:p="http://schemas.openxmlformats.org/presentationml/2006/main">
+  <p:cSld>
+    <p:spTree>
+      <p:nvGrpSpPr>
+        <p:cNvPr id="1" name=""/>
+        <p:cNvGrpSpPr/>
+        <p:nvPr/>
+      </p:nvGrpSpPr>
+      <p:grpSpPr>
+        <a:xfrm>
+          <a:off x="0" y="0"/>
+          <a:ext cx="0" cy="0"/>
+          <a:chOff x="0" y="0"/>
+          <a:chExt cx="0" cy="0"/>
+        </a:xfrm>
+      </p:grpSpPr>
+      <p:sp>
+        <p:nvSpPr>
+          <p:cNvPr id="2" name="Tytuł 1"/>
+          <p:cNvSpPr>
+            <a:spLocks noGrp="1"/>
+          </p:cNvSpPr>
+          <p:nvPr>
+            <p:ph type="title"/>
+          </p:nvPr>
+        </p:nvSpPr>
+        <p:spPr/>
+        <p:txBody>
+          <a:bodyPr>
+            <a:normAutofit fontScale="90000"/>
+          </a:bodyPr>
+          <a:lstStyle/>
+          <a:p>
+            <a:r>
+              <a:rPr lang="pl-PL" dirty="0" smtClean="0"/>
+              <a:t>21. Manager –brak usuwania i dodawania </a:t>
+            </a:r>
+            <a:r>
+              <a:rPr lang="pl-PL" dirty="0" err="1" smtClean="0"/>
+              <a:t>Userów</a:t>
+            </a:r>
+            <a:endParaRPr lang="pl-PL" dirty="0"/>
+          </a:p>
+        </p:txBody>
+      </p:sp>
+      <p:pic>
+        <p:nvPicPr>
+          <p:cNvPr id="4" name="Symbol zastępczy zawartości 3" descr="08.png"/>
+          <p:cNvPicPr>
+            <a:picLocks noGrp="1" noChangeAspect="1"/>
+          </p:cNvPicPr>
+          <p:nvPr>
+            <p:ph idx="1"/>
+          </p:nvPr>
+        </p:nvPicPr>
+        <p:blipFill>
+          <a:blip r:embed="rId2"/>
+          <a:stretch>
+            <a:fillRect/>
+          </a:stretch>
+        </p:blipFill>
+        <p:spPr>
+          <a:xfrm>
+            <a:off x="214281" y="1500174"/>
+            <a:ext cx="8627065" cy="4857784"/>
           </a:xfrm>
         </p:spPr>
       </p:pic>
@@ -5741,6 +5883,393 @@
       </p:par>
     </p:tnLst>
   </p:timing>
+</p:sld>
+</file>
+
+<file path=ppt/slides/slide30.xml><?xml version="1.0" encoding="utf-8"?>
+<p:sld xmlns:a="http://schemas.openxmlformats.org/drawingml/2006/main" xmlns:r="http://schemas.openxmlformats.org/officeDocument/2006/relationships" xmlns:p="http://schemas.openxmlformats.org/presentationml/2006/main">
+  <p:cSld>
+    <p:spTree>
+      <p:nvGrpSpPr>
+        <p:cNvPr id="1" name=""/>
+        <p:cNvGrpSpPr/>
+        <p:nvPr/>
+      </p:nvGrpSpPr>
+      <p:grpSpPr>
+        <a:xfrm>
+          <a:off x="0" y="0"/>
+          <a:ext cx="0" cy="0"/>
+          <a:chOff x="0" y="0"/>
+          <a:chExt cx="0" cy="0"/>
+        </a:xfrm>
+      </p:grpSpPr>
+      <p:sp>
+        <p:nvSpPr>
+          <p:cNvPr id="2" name="Tytuł 1"/>
+          <p:cNvSpPr>
+            <a:spLocks noGrp="1"/>
+          </p:cNvSpPr>
+          <p:nvPr>
+            <p:ph type="title"/>
+          </p:nvPr>
+        </p:nvSpPr>
+        <p:spPr/>
+        <p:txBody>
+          <a:bodyPr/>
+          <a:lstStyle/>
+          <a:p>
+            <a:r>
+              <a:rPr lang="pl-PL" dirty="0" smtClean="0"/>
+              <a:t>22. Konto </a:t>
+            </a:r>
+            <a:r>
+              <a:rPr lang="pl-PL" dirty="0" err="1" smtClean="0"/>
+              <a:t>User</a:t>
+            </a:r>
+            <a:r>
+              <a:rPr lang="pl-PL" dirty="0" smtClean="0"/>
+              <a:t> (informacje)</a:t>
+            </a:r>
+            <a:endParaRPr lang="pl-PL" dirty="0"/>
+          </a:p>
+        </p:txBody>
+      </p:sp>
+      <p:sp>
+        <p:nvSpPr>
+          <p:cNvPr id="3" name="Symbol zastępczy zawartości 2"/>
+          <p:cNvSpPr>
+            <a:spLocks noGrp="1"/>
+          </p:cNvSpPr>
+          <p:nvPr>
+            <p:ph idx="1"/>
+          </p:nvPr>
+        </p:nvSpPr>
+        <p:spPr/>
+        <p:txBody>
+          <a:bodyPr/>
+          <a:lstStyle/>
+          <a:p>
+            <a:r>
+              <a:rPr lang="pl-PL" dirty="0" smtClean="0"/>
+              <a:t>Konto </a:t>
+            </a:r>
+            <a:r>
+              <a:rPr lang="pl-PL" dirty="0" err="1" smtClean="0"/>
+              <a:t>User</a:t>
+            </a:r>
+            <a:r>
+              <a:rPr lang="pl-PL" dirty="0" smtClean="0"/>
+              <a:t> ma dostęp do:</a:t>
+            </a:r>
+          </a:p>
+          <a:p>
+            <a:pPr lvl="1"/>
+            <a:r>
+              <a:rPr lang="pl-PL" dirty="0" smtClean="0"/>
+              <a:t>Projektów, w których ma przypisane przynajmniej jedno zadanie</a:t>
+            </a:r>
+          </a:p>
+          <a:p>
+            <a:pPr lvl="1"/>
+            <a:r>
+              <a:rPr lang="pl-PL" dirty="0" err="1" smtClean="0"/>
+              <a:t>Issues</a:t>
+            </a:r>
+            <a:r>
+              <a:rPr lang="pl-PL" dirty="0" smtClean="0"/>
+              <a:t>, w których jest przypisany</a:t>
+            </a:r>
+          </a:p>
+          <a:p>
+            <a:r>
+              <a:rPr lang="pl-PL" dirty="0" err="1" smtClean="0"/>
+              <a:t>User</a:t>
+            </a:r>
+            <a:r>
+              <a:rPr lang="pl-PL" dirty="0" smtClean="0"/>
+              <a:t> nie ma dostępu do:</a:t>
+            </a:r>
+          </a:p>
+          <a:p>
+            <a:pPr lvl="1"/>
+            <a:r>
+              <a:rPr lang="pl-PL" dirty="0" err="1" smtClean="0"/>
+              <a:t>User</a:t>
+            </a:r>
+            <a:r>
+              <a:rPr lang="pl-PL" dirty="0" smtClean="0"/>
+              <a:t> management </a:t>
+            </a:r>
+            <a:r>
+              <a:rPr lang="pl-PL" dirty="0" err="1" smtClean="0"/>
+              <a:t>at</a:t>
+            </a:r>
+            <a:r>
+              <a:rPr lang="pl-PL" dirty="0" smtClean="0"/>
+              <a:t> </a:t>
+            </a:r>
+            <a:r>
+              <a:rPr lang="pl-PL" dirty="0" err="1" smtClean="0"/>
+              <a:t>all</a:t>
+            </a:r>
+            <a:endParaRPr lang="pl-PL" dirty="0" smtClean="0"/>
+          </a:p>
+        </p:txBody>
+      </p:sp>
+    </p:spTree>
+  </p:cSld>
+  <p:clrMapOvr>
+    <a:masterClrMapping/>
+  </p:clrMapOvr>
+</p:sld>
+</file>
+
+<file path=ppt/slides/slide31.xml><?xml version="1.0" encoding="utf-8"?>
+<p:sld xmlns:a="http://schemas.openxmlformats.org/drawingml/2006/main" xmlns:r="http://schemas.openxmlformats.org/officeDocument/2006/relationships" xmlns:p="http://schemas.openxmlformats.org/presentationml/2006/main">
+  <p:cSld>
+    <p:spTree>
+      <p:nvGrpSpPr>
+        <p:cNvPr id="1" name=""/>
+        <p:cNvGrpSpPr/>
+        <p:nvPr/>
+      </p:nvGrpSpPr>
+      <p:grpSpPr>
+        <a:xfrm>
+          <a:off x="0" y="0"/>
+          <a:ext cx="0" cy="0"/>
+          <a:chOff x="0" y="0"/>
+          <a:chExt cx="0" cy="0"/>
+        </a:xfrm>
+      </p:grpSpPr>
+      <p:sp>
+        <p:nvSpPr>
+          <p:cNvPr id="2" name="Tytuł 1"/>
+          <p:cNvSpPr>
+            <a:spLocks noGrp="1"/>
+          </p:cNvSpPr>
+          <p:nvPr>
+            <p:ph type="title"/>
+          </p:nvPr>
+        </p:nvSpPr>
+        <p:spPr/>
+        <p:txBody>
+          <a:bodyPr/>
+          <a:lstStyle/>
+          <a:p>
+            <a:r>
+              <a:rPr lang="pl-PL" dirty="0" smtClean="0"/>
+              <a:t>23. </a:t>
+            </a:r>
+            <a:r>
+              <a:rPr lang="pl-PL" dirty="0" err="1" smtClean="0"/>
+              <a:t>User</a:t>
+            </a:r>
+            <a:r>
+              <a:rPr lang="pl-PL" dirty="0" smtClean="0"/>
+              <a:t> – projekty</a:t>
+            </a:r>
+            <a:endParaRPr lang="pl-PL" dirty="0"/>
+          </a:p>
+        </p:txBody>
+      </p:sp>
+      <p:pic>
+        <p:nvPicPr>
+          <p:cNvPr id="4" name="Symbol zastępczy zawartości 3" descr="09.png"/>
+          <p:cNvPicPr>
+            <a:picLocks noGrp="1" noChangeAspect="1"/>
+          </p:cNvPicPr>
+          <p:nvPr>
+            <p:ph idx="1"/>
+          </p:nvPr>
+        </p:nvPicPr>
+        <p:blipFill>
+          <a:blip r:embed="rId2"/>
+          <a:stretch>
+            <a:fillRect/>
+          </a:stretch>
+        </p:blipFill>
+        <p:spPr>
+          <a:xfrm>
+            <a:off x="214281" y="1214422"/>
+            <a:ext cx="8753933" cy="4929222"/>
+          </a:xfrm>
+        </p:spPr>
+      </p:pic>
+    </p:spTree>
+  </p:cSld>
+  <p:clrMapOvr>
+    <a:masterClrMapping/>
+  </p:clrMapOvr>
+</p:sld>
+</file>
+
+<file path=ppt/slides/slide32.xml><?xml version="1.0" encoding="utf-8"?>
+<p:sld xmlns:a="http://schemas.openxmlformats.org/drawingml/2006/main" xmlns:r="http://schemas.openxmlformats.org/officeDocument/2006/relationships" xmlns:p="http://schemas.openxmlformats.org/presentationml/2006/main">
+  <p:cSld>
+    <p:spTree>
+      <p:nvGrpSpPr>
+        <p:cNvPr id="1" name=""/>
+        <p:cNvGrpSpPr/>
+        <p:nvPr/>
+      </p:nvGrpSpPr>
+      <p:grpSpPr>
+        <a:xfrm>
+          <a:off x="0" y="0"/>
+          <a:ext cx="0" cy="0"/>
+          <a:chOff x="0" y="0"/>
+          <a:chExt cx="0" cy="0"/>
+        </a:xfrm>
+      </p:grpSpPr>
+      <p:sp>
+        <p:nvSpPr>
+          <p:cNvPr id="2" name="Tytuł 1"/>
+          <p:cNvSpPr>
+            <a:spLocks noGrp="1"/>
+          </p:cNvSpPr>
+          <p:nvPr>
+            <p:ph type="title"/>
+          </p:nvPr>
+        </p:nvSpPr>
+        <p:spPr/>
+        <p:txBody>
+          <a:bodyPr/>
+          <a:lstStyle/>
+          <a:p>
+            <a:r>
+              <a:rPr lang="pl-PL" dirty="0" smtClean="0"/>
+              <a:t>24. </a:t>
+            </a:r>
+            <a:r>
+              <a:rPr lang="pl-PL" dirty="0" err="1" smtClean="0"/>
+              <a:t>User</a:t>
+            </a:r>
+            <a:r>
+              <a:rPr lang="pl-PL" dirty="0" smtClean="0"/>
+              <a:t> – </a:t>
+            </a:r>
+            <a:r>
+              <a:rPr lang="pl-PL" dirty="0" err="1" smtClean="0"/>
+              <a:t>issues</a:t>
+            </a:r>
+            <a:endParaRPr lang="pl-PL" dirty="0"/>
+          </a:p>
+        </p:txBody>
+      </p:sp>
+      <p:pic>
+        <p:nvPicPr>
+          <p:cNvPr id="4" name="Symbol zastępczy zawartości 3" descr="10.png"/>
+          <p:cNvPicPr>
+            <a:picLocks noGrp="1" noChangeAspect="1"/>
+          </p:cNvPicPr>
+          <p:nvPr>
+            <p:ph idx="1"/>
+          </p:nvPr>
+        </p:nvPicPr>
+        <p:blipFill>
+          <a:blip r:embed="rId2"/>
+          <a:stretch>
+            <a:fillRect/>
+          </a:stretch>
+        </p:blipFill>
+        <p:spPr>
+          <a:xfrm>
+            <a:off x="214281" y="1214422"/>
+            <a:ext cx="8753933" cy="4929222"/>
+          </a:xfrm>
+        </p:spPr>
+      </p:pic>
+    </p:spTree>
+  </p:cSld>
+  <p:clrMapOvr>
+    <a:masterClrMapping/>
+  </p:clrMapOvr>
+</p:sld>
+</file>
+
+<file path=ppt/slides/slide33.xml><?xml version="1.0" encoding="utf-8"?>
+<p:sld xmlns:a="http://schemas.openxmlformats.org/drawingml/2006/main" xmlns:r="http://schemas.openxmlformats.org/officeDocument/2006/relationships" xmlns:p="http://schemas.openxmlformats.org/presentationml/2006/main">
+  <p:cSld>
+    <p:spTree>
+      <p:nvGrpSpPr>
+        <p:cNvPr id="1" name=""/>
+        <p:cNvGrpSpPr/>
+        <p:nvPr/>
+      </p:nvGrpSpPr>
+      <p:grpSpPr>
+        <a:xfrm>
+          <a:off x="0" y="0"/>
+          <a:ext cx="0" cy="0"/>
+          <a:chOff x="0" y="0"/>
+          <a:chExt cx="0" cy="0"/>
+        </a:xfrm>
+      </p:grpSpPr>
+      <p:sp>
+        <p:nvSpPr>
+          <p:cNvPr id="2" name="Tytuł 1"/>
+          <p:cNvSpPr>
+            <a:spLocks noGrp="1"/>
+          </p:cNvSpPr>
+          <p:nvPr>
+            <p:ph type="title"/>
+          </p:nvPr>
+        </p:nvSpPr>
+        <p:spPr/>
+        <p:txBody>
+          <a:bodyPr/>
+          <a:lstStyle/>
+          <a:p>
+            <a:r>
+              <a:rPr lang="pl-PL" dirty="0" smtClean="0"/>
+              <a:t>25. </a:t>
+            </a:r>
+            <a:r>
+              <a:rPr lang="pl-PL" dirty="0" err="1" smtClean="0"/>
+              <a:t>User</a:t>
+            </a:r>
+            <a:r>
+              <a:rPr lang="pl-PL" dirty="0" smtClean="0"/>
+              <a:t> – </a:t>
+            </a:r>
+            <a:r>
+              <a:rPr lang="pl-PL" dirty="0" err="1" smtClean="0"/>
+              <a:t>User</a:t>
+            </a:r>
+            <a:r>
+              <a:rPr lang="pl-PL" dirty="0" smtClean="0"/>
+              <a:t> management</a:t>
+            </a:r>
+            <a:endParaRPr lang="pl-PL" dirty="0"/>
+          </a:p>
+        </p:txBody>
+      </p:sp>
+      <p:pic>
+        <p:nvPicPr>
+          <p:cNvPr id="5" name="Symbol zastępczy zawartości 4" descr="11.png"/>
+          <p:cNvPicPr>
+            <a:picLocks noGrp="1" noChangeAspect="1"/>
+          </p:cNvPicPr>
+          <p:nvPr>
+            <p:ph idx="1"/>
+          </p:nvPr>
+        </p:nvPicPr>
+        <p:blipFill>
+          <a:blip r:embed="rId2"/>
+          <a:stretch>
+            <a:fillRect/>
+          </a:stretch>
+        </p:blipFill>
+        <p:spPr>
+          <a:xfrm>
+            <a:off x="214281" y="1214422"/>
+            <a:ext cx="8753933" cy="4929222"/>
+          </a:xfrm>
+        </p:spPr>
+      </p:pic>
+    </p:spTree>
+  </p:cSld>
+  <p:clrMapOvr>
+    <a:masterClrMapping/>
+  </p:clrMapOvr>
 </p:sld>
 </file>
 
@@ -6284,6 +6813,39 @@
           </a:p>
         </p:txBody>
       </p:sp>
+      <p:pic>
+        <p:nvPicPr>
+          <p:cNvPr id="1026" name="Picture 2"/>
+          <p:cNvPicPr>
+            <a:picLocks noChangeAspect="1" noChangeArrowheads="1"/>
+          </p:cNvPicPr>
+          <p:nvPr/>
+        </p:nvPicPr>
+        <p:blipFill>
+          <a:blip r:embed="rId2"/>
+          <a:srcRect/>
+          <a:stretch>
+            <a:fillRect/>
+          </a:stretch>
+        </p:blipFill>
+        <p:spPr bwMode="auto">
+          <a:xfrm>
+            <a:off x="571471" y="3500438"/>
+            <a:ext cx="7217447" cy="1785950"/>
+          </a:xfrm>
+          <a:prstGeom prst="rect">
+            <a:avLst/>
+          </a:prstGeom>
+          <a:noFill/>
+          <a:ln w="9525">
+            <a:noFill/>
+            <a:miter lim="800000"/>
+            <a:headEnd/>
+            <a:tailEnd/>
+          </a:ln>
+          <a:effectLst/>
+        </p:spPr>
+      </p:pic>
     </p:spTree>
   </p:cSld>
   <p:clrMapOvr>
